--- a/73 - Brethren, Breathe One Fervant Prayer.pptx
+++ b/73 - Brethren, Breathe One Fervant Prayer.pptx
@@ -242,7 +242,7 @@
           <a:p>
             <a:fld id="{32F7251A-AE54-443C-B8FE-5F636E835EBF}" type="datetimeFigureOut">
               <a:rPr lang="en-US" smtClean="0"/>
-              <a:t>9/23/2018</a:t>
+              <a:t>8/2/2020</a:t>
             </a:fld>
             <a:endParaRPr lang="en-US"/>
           </a:p>
@@ -410,7 +410,7 @@
           <a:p>
             <a:fld id="{32F7251A-AE54-443C-B8FE-5F636E835EBF}" type="datetimeFigureOut">
               <a:rPr lang="en-US" smtClean="0"/>
-              <a:t>9/23/2018</a:t>
+              <a:t>8/2/2020</a:t>
             </a:fld>
             <a:endParaRPr lang="en-US"/>
           </a:p>
@@ -588,7 +588,7 @@
           <a:p>
             <a:fld id="{32F7251A-AE54-443C-B8FE-5F636E835EBF}" type="datetimeFigureOut">
               <a:rPr lang="en-US" smtClean="0"/>
-              <a:t>9/23/2018</a:t>
+              <a:t>8/2/2020</a:t>
             </a:fld>
             <a:endParaRPr lang="en-US"/>
           </a:p>
@@ -756,7 +756,7 @@
           <a:p>
             <a:fld id="{32F7251A-AE54-443C-B8FE-5F636E835EBF}" type="datetimeFigureOut">
               <a:rPr lang="en-US" smtClean="0"/>
-              <a:t>9/23/2018</a:t>
+              <a:t>8/2/2020</a:t>
             </a:fld>
             <a:endParaRPr lang="en-US"/>
           </a:p>
@@ -1001,7 +1001,7 @@
           <a:p>
             <a:fld id="{32F7251A-AE54-443C-B8FE-5F636E835EBF}" type="datetimeFigureOut">
               <a:rPr lang="en-US" smtClean="0"/>
-              <a:t>9/23/2018</a:t>
+              <a:t>8/2/2020</a:t>
             </a:fld>
             <a:endParaRPr lang="en-US"/>
           </a:p>
@@ -1230,7 +1230,7 @@
           <a:p>
             <a:fld id="{32F7251A-AE54-443C-B8FE-5F636E835EBF}" type="datetimeFigureOut">
               <a:rPr lang="en-US" smtClean="0"/>
-              <a:t>9/23/2018</a:t>
+              <a:t>8/2/2020</a:t>
             </a:fld>
             <a:endParaRPr lang="en-US"/>
           </a:p>
@@ -1594,7 +1594,7 @@
           <a:p>
             <a:fld id="{32F7251A-AE54-443C-B8FE-5F636E835EBF}" type="datetimeFigureOut">
               <a:rPr lang="en-US" smtClean="0"/>
-              <a:t>9/23/2018</a:t>
+              <a:t>8/2/2020</a:t>
             </a:fld>
             <a:endParaRPr lang="en-US"/>
           </a:p>
@@ -1711,7 +1711,7 @@
           <a:p>
             <a:fld id="{32F7251A-AE54-443C-B8FE-5F636E835EBF}" type="datetimeFigureOut">
               <a:rPr lang="en-US" smtClean="0"/>
-              <a:t>9/23/2018</a:t>
+              <a:t>8/2/2020</a:t>
             </a:fld>
             <a:endParaRPr lang="en-US"/>
           </a:p>
@@ -1806,7 +1806,7 @@
           <a:p>
             <a:fld id="{32F7251A-AE54-443C-B8FE-5F636E835EBF}" type="datetimeFigureOut">
               <a:rPr lang="en-US" smtClean="0"/>
-              <a:t>9/23/2018</a:t>
+              <a:t>8/2/2020</a:t>
             </a:fld>
             <a:endParaRPr lang="en-US"/>
           </a:p>
@@ -2081,7 +2081,7 @@
           <a:p>
             <a:fld id="{32F7251A-AE54-443C-B8FE-5F636E835EBF}" type="datetimeFigureOut">
               <a:rPr lang="en-US" smtClean="0"/>
-              <a:t>9/23/2018</a:t>
+              <a:t>8/2/2020</a:t>
             </a:fld>
             <a:endParaRPr lang="en-US"/>
           </a:p>
@@ -2333,7 +2333,7 @@
           <a:p>
             <a:fld id="{32F7251A-AE54-443C-B8FE-5F636E835EBF}" type="datetimeFigureOut">
               <a:rPr lang="en-US" smtClean="0"/>
-              <a:t>9/23/2018</a:t>
+              <a:t>8/2/2020</a:t>
             </a:fld>
             <a:endParaRPr lang="en-US"/>
           </a:p>
@@ -2400,7 +2400,9 @@
     <p:bg>
       <p:bgPr>
         <a:solidFill>
-          <a:srgbClr val="333333"/>
+          <a:schemeClr val="bg1">
+            <a:lumMod val="10000"/>
+          </a:schemeClr>
         </a:solidFill>
         <a:effectLst/>
       </p:bgPr>
@@ -2547,7 +2549,7 @@
           <a:p>
             <a:fld id="{32F7251A-AE54-443C-B8FE-5F636E835EBF}" type="datetimeFigureOut">
               <a:rPr lang="en-US" smtClean="0"/>
-              <a:t>9/23/2018</a:t>
+              <a:t>8/2/2020</a:t>
             </a:fld>
             <a:endParaRPr lang="en-US"/>
           </a:p>
@@ -3017,8 +3019,8 @@
         </p:nvSpPr>
         <p:spPr>
           <a:xfrm>
-            <a:off x="0" y="5804209"/>
-            <a:ext cx="12192000" cy="830997"/>
+            <a:off x="0" y="5927320"/>
+            <a:ext cx="12192000" cy="584775"/>
           </a:xfrm>
           <a:prstGeom prst="rect">
             <a:avLst/>
@@ -3033,10 +3035,12 @@
           <a:p>
             <a:pPr algn="ctr"/>
             <a:r>
-              <a:rPr lang="en-US" sz="4800" dirty="0">
+              <a:rPr lang="en-US" sz="3200" u="sng" dirty="0">
                 <a:solidFill>
                   <a:schemeClr val="bg1"/>
                 </a:solidFill>
+                <a:latin typeface="Assistant SemiBold" panose="00000700000000000000" pitchFamily="2" charset="-79"/>
+                <a:cs typeface="Assistant SemiBold" panose="00000700000000000000" pitchFamily="2" charset="-79"/>
               </a:rPr>
               <a:t>“Brethren, Breathe One Fervent Prayer”</a:t>
             </a:r>
@@ -3051,8 +3055,8 @@
         </p:nvSpPr>
         <p:spPr>
           <a:xfrm>
-            <a:off x="0" y="215807"/>
-            <a:ext cx="12192000" cy="5078313"/>
+            <a:off x="0" y="729571"/>
+            <a:ext cx="12192000" cy="3970318"/>
           </a:xfrm>
           <a:prstGeom prst="rect">
             <a:avLst/>
@@ -3067,10 +3071,12 @@
           <a:p>
             <a:pPr algn="ctr"/>
             <a:r>
-              <a:rPr lang="en-US" sz="3600" dirty="0">
+              <a:rPr lang="en-US" sz="2800" spc="50" dirty="0">
                 <a:solidFill>
                   <a:schemeClr val="bg1"/>
                 </a:solidFill>
+                <a:latin typeface="Assistant" panose="00000500000000000000" pitchFamily="2" charset="-79"/>
+                <a:cs typeface="Assistant" panose="00000500000000000000" pitchFamily="2" charset="-79"/>
               </a:rPr>
               <a:t>Brethren, breathe one fervent prayer,</a:t>
             </a:r>
@@ -3078,10 +3084,12 @@
           <a:p>
             <a:pPr algn="ctr"/>
             <a:r>
-              <a:rPr lang="en-US" sz="3600" dirty="0">
+              <a:rPr lang="en-US" sz="2800" spc="50" dirty="0">
                 <a:solidFill>
                   <a:schemeClr val="bg1"/>
                 </a:solidFill>
+                <a:latin typeface="Assistant" panose="00000500000000000000" pitchFamily="2" charset="-79"/>
+                <a:cs typeface="Assistant" panose="00000500000000000000" pitchFamily="2" charset="-79"/>
               </a:rPr>
               <a:t>Ere from hence our footsteps tend,</a:t>
             </a:r>
@@ -3089,10 +3097,12 @@
           <a:p>
             <a:pPr algn="ctr"/>
             <a:r>
-              <a:rPr lang="en-US" sz="3600" dirty="0">
+              <a:rPr lang="en-US" sz="2800" spc="50" dirty="0">
                 <a:solidFill>
                   <a:schemeClr val="bg1"/>
                 </a:solidFill>
+                <a:latin typeface="Assistant" panose="00000500000000000000" pitchFamily="2" charset="-79"/>
+                <a:cs typeface="Assistant" panose="00000500000000000000" pitchFamily="2" charset="-79"/>
               </a:rPr>
               <a:t>To the Prince upon whose care</a:t>
             </a:r>
@@ -3100,29 +3110,35 @@
           <a:p>
             <a:pPr algn="ctr"/>
             <a:r>
-              <a:rPr lang="en-US" sz="3600" dirty="0">
+              <a:rPr lang="en-US" sz="2800" spc="50" dirty="0">
                 <a:solidFill>
                   <a:schemeClr val="bg1"/>
                 </a:solidFill>
+                <a:latin typeface="Assistant" panose="00000500000000000000" pitchFamily="2" charset="-79"/>
+                <a:cs typeface="Assistant" panose="00000500000000000000" pitchFamily="2" charset="-79"/>
               </a:rPr>
-              <a:t>Al our hopes and joys depend.</a:t>
+              <a:t>All our hopes and joys depend.</a:t>
             </a:r>
           </a:p>
           <a:p>
             <a:pPr algn="ctr"/>
-            <a:endParaRPr lang="en-US" sz="3600" dirty="0">
+            <a:endParaRPr lang="en-US" sz="2800" spc="50" dirty="0">
               <a:solidFill>
                 <a:schemeClr val="bg1"/>
               </a:solidFill>
+              <a:latin typeface="Assistant" panose="00000500000000000000" pitchFamily="2" charset="-79"/>
+              <a:cs typeface="Assistant" panose="00000500000000000000" pitchFamily="2" charset="-79"/>
             </a:endParaRPr>
           </a:p>
           <a:p>
             <a:pPr algn="ctr"/>
             <a:r>
-              <a:rPr lang="en-US" sz="3600" dirty="0">
+              <a:rPr lang="en-US" sz="2800" spc="50" dirty="0">
                 <a:solidFill>
                   <a:schemeClr val="bg1"/>
                 </a:solidFill>
+                <a:latin typeface="Assistant" panose="00000500000000000000" pitchFamily="2" charset="-79"/>
+                <a:cs typeface="Assistant" panose="00000500000000000000" pitchFamily="2" charset="-79"/>
               </a:rPr>
               <a:t>Look beneath, around, above—</a:t>
             </a:r>
@@ -3130,10 +3146,12 @@
           <a:p>
             <a:pPr algn="ctr"/>
             <a:r>
-              <a:rPr lang="en-US" sz="3600" dirty="0">
+              <a:rPr lang="en-US" sz="2800" spc="50" dirty="0">
                 <a:solidFill>
                   <a:schemeClr val="bg1"/>
                 </a:solidFill>
+                <a:latin typeface="Assistant" panose="00000500000000000000" pitchFamily="2" charset="-79"/>
+                <a:cs typeface="Assistant" panose="00000500000000000000" pitchFamily="2" charset="-79"/>
               </a:rPr>
               <a:t>All is filled with blessed peace;</a:t>
             </a:r>
@@ -3141,18 +3159,22 @@
           <a:p>
             <a:pPr algn="ctr"/>
             <a:r>
-              <a:rPr lang="en-US" sz="3600" dirty="0" err="1">
+              <a:rPr lang="en-US" sz="2800" spc="50" dirty="0" err="1">
                 <a:solidFill>
                   <a:schemeClr val="bg1"/>
                 </a:solidFill>
+                <a:latin typeface="Assistant" panose="00000500000000000000" pitchFamily="2" charset="-79"/>
+                <a:cs typeface="Assistant" panose="00000500000000000000" pitchFamily="2" charset="-79"/>
               </a:rPr>
               <a:t>‘Tis</a:t>
             </a:r>
             <a:r>
-              <a:rPr lang="en-US" sz="3600" dirty="0">
+              <a:rPr lang="en-US" sz="2800" spc="50" dirty="0">
                 <a:solidFill>
                   <a:schemeClr val="bg1"/>
                 </a:solidFill>
+                <a:latin typeface="Assistant" panose="00000500000000000000" pitchFamily="2" charset="-79"/>
+                <a:cs typeface="Assistant" panose="00000500000000000000" pitchFamily="2" charset="-79"/>
               </a:rPr>
               <a:t> the gift of God’s best love—</a:t>
             </a:r>
@@ -3160,10 +3182,12 @@
           <a:p>
             <a:pPr algn="ctr"/>
             <a:r>
-              <a:rPr lang="en-US" sz="3600" dirty="0">
+              <a:rPr lang="en-US" sz="2800" spc="50" dirty="0">
                 <a:solidFill>
                   <a:schemeClr val="bg1"/>
                 </a:solidFill>
+                <a:latin typeface="Assistant" panose="00000500000000000000" pitchFamily="2" charset="-79"/>
+                <a:cs typeface="Assistant" panose="00000500000000000000" pitchFamily="2" charset="-79"/>
               </a:rPr>
               <a:t>Pray that love may still increase.</a:t>
             </a:r>
@@ -3265,8 +3289,8 @@
         </p:nvSpPr>
         <p:spPr>
           <a:xfrm>
-            <a:off x="0" y="5804209"/>
-            <a:ext cx="12192000" cy="830997"/>
+            <a:off x="0" y="5927320"/>
+            <a:ext cx="12192000" cy="584775"/>
           </a:xfrm>
           <a:prstGeom prst="rect">
             <a:avLst/>
@@ -3281,10 +3305,12 @@
           <a:p>
             <a:pPr algn="ctr"/>
             <a:r>
-              <a:rPr lang="en-US" sz="4800" dirty="0">
+              <a:rPr lang="en-US" sz="3200" u="sng" dirty="0">
                 <a:solidFill>
                   <a:schemeClr val="bg1"/>
                 </a:solidFill>
+                <a:latin typeface="Assistant SemiBold" panose="00000700000000000000" pitchFamily="2" charset="-79"/>
+                <a:cs typeface="Assistant SemiBold" panose="00000700000000000000" pitchFamily="2" charset="-79"/>
               </a:rPr>
               <a:t>“Brethren, Breathe One Fervent Prayer”</a:t>
             </a:r>
@@ -3299,8 +3325,8 @@
         </p:nvSpPr>
         <p:spPr>
           <a:xfrm>
-            <a:off x="0" y="215807"/>
-            <a:ext cx="12192000" cy="5078313"/>
+            <a:off x="0" y="729571"/>
+            <a:ext cx="12192000" cy="3970318"/>
           </a:xfrm>
           <a:prstGeom prst="rect">
             <a:avLst/>
@@ -3315,10 +3341,12 @@
           <a:p>
             <a:pPr algn="ctr"/>
             <a:r>
-              <a:rPr lang="en-US" sz="3600" dirty="0">
+              <a:rPr lang="en-US" sz="2800" spc="50" dirty="0">
                 <a:solidFill>
                   <a:schemeClr val="bg1"/>
                 </a:solidFill>
+                <a:latin typeface="Assistant" panose="00000500000000000000" pitchFamily="2" charset="-79"/>
+                <a:cs typeface="Assistant" panose="00000500000000000000" pitchFamily="2" charset="-79"/>
               </a:rPr>
               <a:t>Go with reverent purpose hence,</a:t>
             </a:r>
@@ -3326,10 +3354,12 @@
           <a:p>
             <a:pPr algn="ctr"/>
             <a:r>
-              <a:rPr lang="en-US" sz="3600" dirty="0">
+              <a:rPr lang="en-US" sz="2800" spc="50" dirty="0">
                 <a:solidFill>
                   <a:schemeClr val="bg1"/>
                 </a:solidFill>
+                <a:latin typeface="Assistant" panose="00000500000000000000" pitchFamily="2" charset="-79"/>
+                <a:cs typeface="Assistant" panose="00000500000000000000" pitchFamily="2" charset="-79"/>
               </a:rPr>
               <a:t>Strengthened, helped by Spirits power,</a:t>
             </a:r>
@@ -3337,10 +3367,12 @@
           <a:p>
             <a:pPr algn="ctr"/>
             <a:r>
-              <a:rPr lang="en-US" sz="3600" dirty="0">
+              <a:rPr lang="en-US" sz="2800" spc="50" dirty="0">
                 <a:solidFill>
                   <a:schemeClr val="bg1"/>
                 </a:solidFill>
+                <a:latin typeface="Assistant" panose="00000500000000000000" pitchFamily="2" charset="-79"/>
+                <a:cs typeface="Assistant" panose="00000500000000000000" pitchFamily="2" charset="-79"/>
               </a:rPr>
               <a:t>Christ is helper, strength, defense;</a:t>
             </a:r>
@@ -3348,29 +3380,35 @@
           <a:p>
             <a:pPr algn="ctr"/>
             <a:r>
-              <a:rPr lang="en-US" sz="3600" dirty="0">
+              <a:rPr lang="en-US" sz="2800" spc="50" dirty="0">
                 <a:solidFill>
                   <a:schemeClr val="bg1"/>
                 </a:solidFill>
+                <a:latin typeface="Assistant" panose="00000500000000000000" pitchFamily="2" charset="-79"/>
+                <a:cs typeface="Assistant" panose="00000500000000000000" pitchFamily="2" charset="-79"/>
               </a:rPr>
               <a:t>Bless Him for this peaceful hour.</a:t>
             </a:r>
           </a:p>
           <a:p>
             <a:pPr algn="ctr"/>
-            <a:endParaRPr lang="en-US" sz="3600" dirty="0">
+            <a:endParaRPr lang="en-US" sz="2800" spc="50" dirty="0">
               <a:solidFill>
                 <a:schemeClr val="bg1"/>
               </a:solidFill>
+              <a:latin typeface="Assistant" panose="00000500000000000000" pitchFamily="2" charset="-79"/>
+              <a:cs typeface="Assistant" panose="00000500000000000000" pitchFamily="2" charset="-79"/>
             </a:endParaRPr>
           </a:p>
           <a:p>
             <a:pPr algn="ctr"/>
             <a:r>
-              <a:rPr lang="en-US" sz="3600" dirty="0">
+              <a:rPr lang="en-US" sz="2800" spc="50" dirty="0">
                 <a:solidFill>
                   <a:schemeClr val="bg1"/>
                 </a:solidFill>
+                <a:latin typeface="Assistant" panose="00000500000000000000" pitchFamily="2" charset="-79"/>
+                <a:cs typeface="Assistant" panose="00000500000000000000" pitchFamily="2" charset="-79"/>
               </a:rPr>
               <a:t>Look with chastened hearts before;</a:t>
             </a:r>
@@ -3378,10 +3416,12 @@
           <a:p>
             <a:pPr algn="ctr"/>
             <a:r>
-              <a:rPr lang="en-US" sz="3600" dirty="0">
+              <a:rPr lang="en-US" sz="2800" spc="50" dirty="0">
                 <a:solidFill>
                   <a:schemeClr val="bg1"/>
                 </a:solidFill>
+                <a:latin typeface="Assistant" panose="00000500000000000000" pitchFamily="2" charset="-79"/>
+                <a:cs typeface="Assistant" panose="00000500000000000000" pitchFamily="2" charset="-79"/>
               </a:rPr>
               <a:t>See, the clouds are silver-lined!</a:t>
             </a:r>
@@ -3389,10 +3429,12 @@
           <a:p>
             <a:pPr algn="ctr"/>
             <a:r>
-              <a:rPr lang="en-US" sz="3600" dirty="0">
+              <a:rPr lang="en-US" sz="2800" spc="50" dirty="0">
                 <a:solidFill>
                   <a:schemeClr val="bg1"/>
                 </a:solidFill>
+                <a:latin typeface="Assistant" panose="00000500000000000000" pitchFamily="2" charset="-79"/>
+                <a:cs typeface="Assistant" panose="00000500000000000000" pitchFamily="2" charset="-79"/>
               </a:rPr>
               <a:t>What assurance need we more?</a:t>
             </a:r>
@@ -3400,10 +3442,12 @@
           <a:p>
             <a:pPr algn="ctr"/>
             <a:r>
-              <a:rPr lang="en-US" sz="3600" dirty="0">
+              <a:rPr lang="en-US" sz="2800" spc="50" dirty="0">
                 <a:solidFill>
                   <a:schemeClr val="bg1"/>
                 </a:solidFill>
+                <a:latin typeface="Assistant" panose="00000500000000000000" pitchFamily="2" charset="-79"/>
+                <a:cs typeface="Assistant" panose="00000500000000000000" pitchFamily="2" charset="-79"/>
               </a:rPr>
               <a:t>“God is ever true and kind.”</a:t>
             </a:r>
